--- a/assets/workshop_1_architecture.pptx
+++ b/assets/workshop_1_architecture.pptx
@@ -324,7 +324,7 @@
           <a:p>
             <a:fld id="{B4C71EC6-210F-42DE-9C53-41977AD35B3D}" type="datetimeFigureOut">
               <a:rPr lang="ru-RU" smtClean="0"/>
-              <a:t>5/11/15</a:t>
+              <a:t>5/24/15</a:t>
             </a:fld>
             <a:endParaRPr lang="ru-RU"/>
           </a:p>
@@ -489,7 +489,7 @@
           <a:p>
             <a:fld id="{B4C71EC6-210F-42DE-9C53-41977AD35B3D}" type="datetimeFigureOut">
               <a:rPr lang="ru-RU" smtClean="0"/>
-              <a:t>5/11/15</a:t>
+              <a:t>5/24/15</a:t>
             </a:fld>
             <a:endParaRPr lang="ru-RU"/>
           </a:p>
@@ -664,7 +664,7 @@
           <a:p>
             <a:fld id="{B4C71EC6-210F-42DE-9C53-41977AD35B3D}" type="datetimeFigureOut">
               <a:rPr lang="ru-RU" smtClean="0"/>
-              <a:t>5/11/15</a:t>
+              <a:t>5/24/15</a:t>
             </a:fld>
             <a:endParaRPr lang="ru-RU"/>
           </a:p>
@@ -829,7 +829,7 @@
           <a:p>
             <a:fld id="{B4C71EC6-210F-42DE-9C53-41977AD35B3D}" type="datetimeFigureOut">
               <a:rPr lang="ru-RU" smtClean="0"/>
-              <a:t>5/11/15</a:t>
+              <a:t>5/24/15</a:t>
             </a:fld>
             <a:endParaRPr lang="ru-RU"/>
           </a:p>
@@ -1070,7 +1070,7 @@
           <a:p>
             <a:fld id="{B4C71EC6-210F-42DE-9C53-41977AD35B3D}" type="datetimeFigureOut">
               <a:rPr lang="ru-RU" smtClean="0"/>
-              <a:t>5/11/15</a:t>
+              <a:t>5/24/15</a:t>
             </a:fld>
             <a:endParaRPr lang="ru-RU"/>
           </a:p>
@@ -1353,7 +1353,7 @@
           <a:p>
             <a:fld id="{B4C71EC6-210F-42DE-9C53-41977AD35B3D}" type="datetimeFigureOut">
               <a:rPr lang="ru-RU" smtClean="0"/>
-              <a:t>5/11/15</a:t>
+              <a:t>5/24/15</a:t>
             </a:fld>
             <a:endParaRPr lang="ru-RU"/>
           </a:p>
@@ -1770,7 +1770,7 @@
           <a:p>
             <a:fld id="{B4C71EC6-210F-42DE-9C53-41977AD35B3D}" type="datetimeFigureOut">
               <a:rPr lang="ru-RU" smtClean="0"/>
-              <a:t>5/11/15</a:t>
+              <a:t>5/24/15</a:t>
             </a:fld>
             <a:endParaRPr lang="ru-RU"/>
           </a:p>
@@ -1883,7 +1883,7 @@
           <a:p>
             <a:fld id="{B4C71EC6-210F-42DE-9C53-41977AD35B3D}" type="datetimeFigureOut">
               <a:rPr lang="ru-RU" smtClean="0"/>
-              <a:t>5/11/15</a:t>
+              <a:t>5/24/15</a:t>
             </a:fld>
             <a:endParaRPr lang="ru-RU"/>
           </a:p>
@@ -1973,7 +1973,7 @@
           <a:p>
             <a:fld id="{B4C71EC6-210F-42DE-9C53-41977AD35B3D}" type="datetimeFigureOut">
               <a:rPr lang="ru-RU" smtClean="0"/>
-              <a:t>5/11/15</a:t>
+              <a:t>5/24/15</a:t>
             </a:fld>
             <a:endParaRPr lang="ru-RU"/>
           </a:p>
@@ -2245,7 +2245,7 @@
           <a:p>
             <a:fld id="{B4C71EC6-210F-42DE-9C53-41977AD35B3D}" type="datetimeFigureOut">
               <a:rPr lang="ru-RU" smtClean="0"/>
-              <a:t>5/11/15</a:t>
+              <a:t>5/24/15</a:t>
             </a:fld>
             <a:endParaRPr lang="ru-RU"/>
           </a:p>
@@ -2493,7 +2493,7 @@
           <a:p>
             <a:fld id="{B4C71EC6-210F-42DE-9C53-41977AD35B3D}" type="datetimeFigureOut">
               <a:rPr lang="ru-RU" smtClean="0"/>
-              <a:t>5/11/15</a:t>
+              <a:t>5/24/15</a:t>
             </a:fld>
             <a:endParaRPr lang="ru-RU"/>
           </a:p>
@@ -2701,7 +2701,7 @@
           <a:p>
             <a:fld id="{B4C71EC6-210F-42DE-9C53-41977AD35B3D}" type="datetimeFigureOut">
               <a:rPr lang="ru-RU" smtClean="0"/>
-              <a:t>5/11/15</a:t>
+              <a:t>5/24/15</a:t>
             </a:fld>
             <a:endParaRPr lang="ru-RU"/>
           </a:p>
@@ -16929,7 +16929,15 @@
           <a:p>
             <a:r>
               <a:rPr lang="en-US" dirty="0" smtClean="0"/>
-              <a:t>to be continued next Thursday</a:t>
+              <a:t>to be continued </a:t>
+            </a:r>
+            <a:r>
+              <a:rPr lang="en-US" smtClean="0"/>
+              <a:t>next </a:t>
+            </a:r>
+            <a:r>
+              <a:rPr lang="en-US"/>
+              <a:t>Wednesday</a:t>
             </a:r>
             <a:endParaRPr lang="en-US" dirty="0"/>
           </a:p>
